--- a/figures/figure2/source_phylo_all-horizontal-ordered.pptx
+++ b/figures/figure2/source_phylo_all-horizontal-ordered.pptx
@@ -109,7 +109,18 @@
   </p:defaultTextStyle>
   <p:extLst>
     <p:ext uri="{EFAFB233-063F-42B5-8137-9DF3F51BA10A}">
-      <p15:sldGuideLst xmlns:p15="http://schemas.microsoft.com/office/powerpoint/2012/main"/>
+      <p15:sldGuideLst xmlns:p15="http://schemas.microsoft.com/office/powerpoint/2012/main">
+        <p15:guide id="1" orient="horz" pos="2649" userDrawn="1">
+          <p15:clr>
+            <a:srgbClr val="A4A3A4"/>
+          </p15:clr>
+        </p15:guide>
+        <p15:guide id="2" pos="3197" userDrawn="1">
+          <p15:clr>
+            <a:srgbClr val="A4A3A4"/>
+          </p15:clr>
+        </p15:guide>
+      </p15:sldGuideLst>
     </p:ext>
   </p:extLst>
 </p:presentation>
@@ -197,7 +208,7 @@
           <a:p>
             <a:fld id="{A4B80F45-0782-8045-91F2-23B502BA6504}" type="datetimeFigureOut">
               <a:rPr lang="en-US" smtClean="0"/>
-              <a:t>3/22/22</a:t>
+              <a:t>3/24/22</a:t>
             </a:fld>
             <a:endParaRPr lang="en-US"/>
           </a:p>
@@ -684,7 +695,7 @@
           <a:p>
             <a:fld id="{FDB0DFBE-F29C-0447-9F2D-B747433202EA}" type="datetimeFigureOut">
               <a:rPr lang="en-US" smtClean="0"/>
-              <a:t>3/22/22</a:t>
+              <a:t>3/24/22</a:t>
             </a:fld>
             <a:endParaRPr lang="en-US"/>
           </a:p>
@@ -854,7 +865,7 @@
           <a:p>
             <a:fld id="{FDB0DFBE-F29C-0447-9F2D-B747433202EA}" type="datetimeFigureOut">
               <a:rPr lang="en-US" smtClean="0"/>
-              <a:t>3/22/22</a:t>
+              <a:t>3/24/22</a:t>
             </a:fld>
             <a:endParaRPr lang="en-US"/>
           </a:p>
@@ -1034,7 +1045,7 @@
           <a:p>
             <a:fld id="{FDB0DFBE-F29C-0447-9F2D-B747433202EA}" type="datetimeFigureOut">
               <a:rPr lang="en-US" smtClean="0"/>
-              <a:t>3/22/22</a:t>
+              <a:t>3/24/22</a:t>
             </a:fld>
             <a:endParaRPr lang="en-US"/>
           </a:p>
@@ -1204,7 +1215,7 @@
           <a:p>
             <a:fld id="{FDB0DFBE-F29C-0447-9F2D-B747433202EA}" type="datetimeFigureOut">
               <a:rPr lang="en-US" smtClean="0"/>
-              <a:t>3/22/22</a:t>
+              <a:t>3/24/22</a:t>
             </a:fld>
             <a:endParaRPr lang="en-US"/>
           </a:p>
@@ -1448,7 +1459,7 @@
           <a:p>
             <a:fld id="{FDB0DFBE-F29C-0447-9F2D-B747433202EA}" type="datetimeFigureOut">
               <a:rPr lang="en-US" smtClean="0"/>
-              <a:t>3/22/22</a:t>
+              <a:t>3/24/22</a:t>
             </a:fld>
             <a:endParaRPr lang="en-US"/>
           </a:p>
@@ -1680,7 +1691,7 @@
           <a:p>
             <a:fld id="{FDB0DFBE-F29C-0447-9F2D-B747433202EA}" type="datetimeFigureOut">
               <a:rPr lang="en-US" smtClean="0"/>
-              <a:t>3/22/22</a:t>
+              <a:t>3/24/22</a:t>
             </a:fld>
             <a:endParaRPr lang="en-US"/>
           </a:p>
@@ -2047,7 +2058,7 @@
           <a:p>
             <a:fld id="{FDB0DFBE-F29C-0447-9F2D-B747433202EA}" type="datetimeFigureOut">
               <a:rPr lang="en-US" smtClean="0"/>
-              <a:t>3/22/22</a:t>
+              <a:t>3/24/22</a:t>
             </a:fld>
             <a:endParaRPr lang="en-US"/>
           </a:p>
@@ -2165,7 +2176,7 @@
           <a:p>
             <a:fld id="{FDB0DFBE-F29C-0447-9F2D-B747433202EA}" type="datetimeFigureOut">
               <a:rPr lang="en-US" smtClean="0"/>
-              <a:t>3/22/22</a:t>
+              <a:t>3/24/22</a:t>
             </a:fld>
             <a:endParaRPr lang="en-US"/>
           </a:p>
@@ -2260,7 +2271,7 @@
           <a:p>
             <a:fld id="{FDB0DFBE-F29C-0447-9F2D-B747433202EA}" type="datetimeFigureOut">
               <a:rPr lang="en-US" smtClean="0"/>
-              <a:t>3/22/22</a:t>
+              <a:t>3/24/22</a:t>
             </a:fld>
             <a:endParaRPr lang="en-US"/>
           </a:p>
@@ -2537,7 +2548,7 @@
           <a:p>
             <a:fld id="{FDB0DFBE-F29C-0447-9F2D-B747433202EA}" type="datetimeFigureOut">
               <a:rPr lang="en-US" smtClean="0"/>
-              <a:t>3/22/22</a:t>
+              <a:t>3/24/22</a:t>
             </a:fld>
             <a:endParaRPr lang="en-US"/>
           </a:p>
@@ -2794,7 +2805,7 @@
           <a:p>
             <a:fld id="{FDB0DFBE-F29C-0447-9F2D-B747433202EA}" type="datetimeFigureOut">
               <a:rPr lang="en-US" smtClean="0"/>
-              <a:t>3/22/22</a:t>
+              <a:t>3/24/22</a:t>
             </a:fld>
             <a:endParaRPr lang="en-US"/>
           </a:p>
@@ -3007,7 +3018,7 @@
           <a:p>
             <a:fld id="{FDB0DFBE-F29C-0447-9F2D-B747433202EA}" type="datetimeFigureOut">
               <a:rPr lang="en-US" smtClean="0"/>
-              <a:t>3/22/22</a:t>
+              <a:t>3/24/22</a:t>
             </a:fld>
             <a:endParaRPr lang="en-US"/>
           </a:p>
@@ -3426,10 +3437,10 @@
         </p:nvGrpSpPr>
         <p:grpSpPr>
           <a:xfrm>
-            <a:off x="2802908" y="446291"/>
-            <a:ext cx="3893377" cy="4333478"/>
-            <a:chOff x="-554198" y="4358518"/>
-            <a:chExt cx="3893377" cy="4333478"/>
+            <a:off x="2802908" y="459738"/>
+            <a:ext cx="3893377" cy="4320031"/>
+            <a:chOff x="-554198" y="4371965"/>
+            <a:chExt cx="3893377" cy="4320031"/>
           </a:xfrm>
         </p:grpSpPr>
         <p:sp>
@@ -3453,9 +3464,7 @@
               <a:avLst/>
             </a:prstGeom>
             <a:solidFill>
-              <a:srgbClr val="A2FD3B">
-                <a:alpha val="69804"/>
-              </a:srgbClr>
+              <a:srgbClr val="3464BE"/>
             </a:solidFill>
           </p:spPr>
           <p:style>
@@ -3497,16 +3506,14 @@
           </p:nvSpPr>
           <p:spPr>
             <a:xfrm>
-              <a:off x="119285" y="4377164"/>
-              <a:ext cx="3171055" cy="2148840"/>
+              <a:off x="119285" y="4390611"/>
+              <a:ext cx="3171055" cy="2090464"/>
             </a:xfrm>
             <a:prstGeom prst="roundRect">
               <a:avLst/>
             </a:prstGeom>
             <a:solidFill>
-              <a:srgbClr val="31F298">
-                <a:alpha val="69804"/>
-              </a:srgbClr>
+              <a:srgbClr val="3449A4"/>
             </a:solidFill>
           </p:spPr>
           <p:style>
@@ -3548,9 +3555,9 @@
           </p:nvGrpSpPr>
           <p:grpSpPr>
             <a:xfrm>
-              <a:off x="-546782" y="4358518"/>
+              <a:off x="-546782" y="4371965"/>
               <a:ext cx="3885961" cy="2130938"/>
-              <a:chOff x="-646447" y="2429595"/>
+              <a:chOff x="-646447" y="2443042"/>
               <a:chExt cx="3885961" cy="2130938"/>
             </a:xfrm>
           </p:grpSpPr>
@@ -3575,7 +3582,7 @@
             </p:blipFill>
             <p:spPr>
               <a:xfrm>
-                <a:off x="39114" y="2429595"/>
+                <a:off x="39114" y="2443042"/>
                 <a:ext cx="3200400" cy="1638603"/>
               </a:xfrm>
               <a:prstGeom prst="rect">
@@ -3604,7 +3611,7 @@
             </p:blipFill>
             <p:spPr>
               <a:xfrm>
-                <a:off x="-646447" y="3872322"/>
+                <a:off x="-646447" y="3885769"/>
                 <a:ext cx="3200400" cy="688211"/>
               </a:xfrm>
               <a:prstGeom prst="rect">
@@ -3628,9 +3635,9 @@
           <p:grpSpPr>
             <a:xfrm>
               <a:off x="-554198" y="6524514"/>
-              <a:ext cx="3880649" cy="2128459"/>
+              <a:ext cx="3877081" cy="2128459"/>
               <a:chOff x="2618438" y="2409209"/>
-              <a:chExt cx="3880649" cy="2128459"/>
+              <a:chExt cx="3877081" cy="2128459"/>
             </a:xfrm>
           </p:grpSpPr>
           <p:pic>
@@ -3655,7 +3662,7 @@
             <p:spPr>
               <a:xfrm>
                 <a:off x="3298687" y="2409209"/>
-                <a:ext cx="3200400" cy="1638603"/>
+                <a:ext cx="3196832" cy="1636776"/>
               </a:xfrm>
               <a:prstGeom prst="rect">
                 <a:avLst/>
@@ -3708,9 +3715,9 @@
         <p:grpSpPr>
           <a:xfrm>
             <a:off x="-626146" y="3920255"/>
-            <a:ext cx="3914809" cy="4362351"/>
+            <a:ext cx="3914809" cy="4353415"/>
             <a:chOff x="2803474" y="4342914"/>
-            <a:chExt cx="3914809" cy="4362351"/>
+            <a:chExt cx="3914809" cy="4353415"/>
           </a:xfrm>
         </p:grpSpPr>
         <p:sp>
@@ -3734,8 +3741,8 @@
               <a:avLst/>
             </a:prstGeom>
             <a:solidFill>
-              <a:srgbClr val="28BBEC">
-                <a:alpha val="69804"/>
+              <a:srgbClr val="B33509">
+                <a:alpha val="89804"/>
               </a:srgbClr>
             </a:solidFill>
           </p:spPr>
@@ -3785,8 +3792,8 @@
               <a:avLst/>
             </a:prstGeom>
             <a:solidFill>
-              <a:srgbClr val="456CE3">
-                <a:alpha val="69804"/>
+              <a:srgbClr val="A32106">
+                <a:alpha val="90196"/>
               </a:srgbClr>
             </a:solidFill>
           </p:spPr>
@@ -3894,85 +3901,35 @@
             </p:spPr>
           </p:pic>
         </p:grpSp>
-        <p:grpSp>
-          <p:nvGrpSpPr>
-            <p:cNvPr id="120" name="Group 119">
+        <p:pic>
+          <p:nvPicPr>
+            <p:cNvPr id="95" name="Picture 94">
               <a:extLst>
                 <a:ext uri="{FF2B5EF4-FFF2-40B4-BE49-F238E27FC236}">
-                  <a16:creationId xmlns:a16="http://schemas.microsoft.com/office/drawing/2014/main" id="{A57F54DC-49A0-A546-8657-69A147ADBA85}"/>
+                  <a16:creationId xmlns:a16="http://schemas.microsoft.com/office/drawing/2014/main" id="{00EE3F02-20B3-7948-8AA7-F009EDEB32D3}"/>
                 </a:ext>
               </a:extLst>
             </p:cNvPr>
-            <p:cNvGrpSpPr/>
+            <p:cNvPicPr>
+              <a:picLocks noChangeAspect="1"/>
+            </p:cNvPicPr>
             <p:nvPr/>
-          </p:nvGrpSpPr>
-          <p:grpSpPr>
+          </p:nvPicPr>
+          <p:blipFill rotWithShape="1">
+            <a:blip r:embed="rId9"/>
+            <a:srcRect b="30890"/>
+            <a:stretch/>
+          </p:blipFill>
+          <p:spPr>
             <a:xfrm>
-              <a:off x="2830210" y="6532089"/>
-              <a:ext cx="3888073" cy="2173176"/>
-              <a:chOff x="5730629" y="-15400"/>
-              <a:chExt cx="3888073" cy="2173176"/>
+              <a:off x="3517883" y="6532089"/>
+              <a:ext cx="3200400" cy="1621981"/>
             </a:xfrm>
-          </p:grpSpPr>
-          <p:pic>
-            <p:nvPicPr>
-              <p:cNvPr id="95" name="Picture 94">
-                <a:extLst>
-                  <a:ext uri="{FF2B5EF4-FFF2-40B4-BE49-F238E27FC236}">
-                    <a16:creationId xmlns:a16="http://schemas.microsoft.com/office/drawing/2014/main" id="{00EE3F02-20B3-7948-8AA7-F009EDEB32D3}"/>
-                  </a:ext>
-                </a:extLst>
-              </p:cNvPr>
-              <p:cNvPicPr>
-                <a:picLocks noChangeAspect="1"/>
-              </p:cNvPicPr>
-              <p:nvPr/>
-            </p:nvPicPr>
-            <p:blipFill rotWithShape="1">
-              <a:blip r:embed="rId9"/>
-              <a:srcRect b="30890"/>
-              <a:stretch/>
-            </p:blipFill>
-            <p:spPr>
-              <a:xfrm>
-                <a:off x="6418302" y="-15400"/>
-                <a:ext cx="3200400" cy="1621981"/>
-              </a:xfrm>
-              <a:prstGeom prst="rect">
-                <a:avLst/>
-              </a:prstGeom>
-            </p:spPr>
-          </p:pic>
-          <p:pic>
-            <p:nvPicPr>
-              <p:cNvPr id="106" name="Picture 105">
-                <a:extLst>
-                  <a:ext uri="{FF2B5EF4-FFF2-40B4-BE49-F238E27FC236}">
-                    <a16:creationId xmlns:a16="http://schemas.microsoft.com/office/drawing/2014/main" id="{7607BD5E-A656-6848-ABC9-2DF650EA9C32}"/>
-                  </a:ext>
-                </a:extLst>
-              </p:cNvPr>
-              <p:cNvPicPr>
-                <a:picLocks noChangeAspect="1"/>
-              </p:cNvPicPr>
-              <p:nvPr/>
-            </p:nvPicPr>
-            <p:blipFill rotWithShape="1">
-              <a:blip r:embed="rId10"/>
-              <a:srcRect l="-21342" t="74454" r="21342" b="-3777"/>
-              <a:stretch/>
-            </p:blipFill>
-            <p:spPr>
-              <a:xfrm>
-                <a:off x="5730629" y="1469565"/>
-                <a:ext cx="3200400" cy="688211"/>
-              </a:xfrm>
-              <a:prstGeom prst="rect">
-                <a:avLst/>
-              </a:prstGeom>
-            </p:spPr>
-          </p:pic>
-        </p:grpSp>
+            <a:prstGeom prst="rect">
+              <a:avLst/>
+            </a:prstGeom>
+          </p:spPr>
+        </p:pic>
       </p:grpSp>
       <p:grpSp>
         <p:nvGrpSpPr>
@@ -4015,9 +3972,7 @@
               <a:avLst/>
             </a:prstGeom>
             <a:solidFill>
-              <a:srgbClr val="FB8121">
-                <a:alpha val="69804"/>
-              </a:srgbClr>
+              <a:srgbClr val="27C683"/>
             </a:solidFill>
           </p:spPr>
           <p:style>
@@ -4066,7 +4021,7 @@
               <a:avLst/>
             </a:prstGeom>
             <a:solidFill>
-              <a:srgbClr val="EED13A"/>
+              <a:srgbClr val="4AC659"/>
             </a:solidFill>
           </p:spPr>
           <p:style>
@@ -4109,7 +4064,7 @@
             <p:nvPr/>
           </p:nvPicPr>
           <p:blipFill rotWithShape="1">
-            <a:blip r:embed="rId11"/>
+            <a:blip r:embed="rId10"/>
             <a:srcRect b="32065"/>
             <a:stretch/>
           </p:blipFill>
@@ -4138,7 +4093,7 @@
             <p:nvPr/>
           </p:nvPicPr>
           <p:blipFill rotWithShape="1">
-            <a:blip r:embed="rId12"/>
+            <a:blip r:embed="rId11"/>
             <a:srcRect l="-21342" t="74454" r="21342" b="-3777"/>
             <a:stretch/>
           </p:blipFill>
@@ -4187,7 +4142,7 @@
               <p:nvPr/>
             </p:nvPicPr>
             <p:blipFill rotWithShape="1">
-              <a:blip r:embed="rId13"/>
+              <a:blip r:embed="rId12"/>
               <a:srcRect b="30542"/>
               <a:stretch/>
             </p:blipFill>
@@ -4216,7 +4171,7 @@
               <p:nvPr/>
             </p:nvPicPr>
             <p:blipFill rotWithShape="1">
-              <a:blip r:embed="rId14"/>
+              <a:blip r:embed="rId13"/>
               <a:srcRect l="-21342" t="74454" r="21342" b="-3777"/>
               <a:stretch/>
             </p:blipFill>
@@ -4247,9 +4202,9 @@
         <p:grpSpPr>
           <a:xfrm>
             <a:off x="-630085" y="526353"/>
-            <a:ext cx="3885185" cy="2355845"/>
+            <a:ext cx="3849547" cy="2186033"/>
             <a:chOff x="-622957" y="658351"/>
-            <a:chExt cx="3885185" cy="2355845"/>
+            <a:chExt cx="3849547" cy="2186033"/>
           </a:xfrm>
         </p:grpSpPr>
         <p:sp>
@@ -4273,8 +4228,8 @@
               <a:avLst/>
             </a:prstGeom>
             <a:solidFill>
-              <a:srgbClr val="D23004">
-                <a:alpha val="69804"/>
+              <a:srgbClr val="A8B52C">
+                <a:alpha val="89804"/>
               </a:srgbClr>
             </a:solidFill>
           </p:spPr>
@@ -4303,239 +4258,116 @@
             </a:p>
           </p:txBody>
         </p:sp>
-        <p:grpSp>
-          <p:nvGrpSpPr>
-            <p:cNvPr id="118" name="Group 117">
+        <p:pic>
+          <p:nvPicPr>
+            <p:cNvPr id="109" name="Picture 108">
               <a:extLst>
                 <a:ext uri="{FF2B5EF4-FFF2-40B4-BE49-F238E27FC236}">
-                  <a16:creationId xmlns:a16="http://schemas.microsoft.com/office/drawing/2014/main" id="{6989361C-2406-9E4B-BAEE-48AC7F4AB570}"/>
+                  <a16:creationId xmlns:a16="http://schemas.microsoft.com/office/drawing/2014/main" id="{9B66EF2E-F27F-204D-AF32-325EE1E9FE9F}"/>
                 </a:ext>
               </a:extLst>
             </p:cNvPr>
-            <p:cNvGrpSpPr/>
+            <p:cNvPicPr>
+              <a:picLocks noChangeAspect="1"/>
+            </p:cNvPicPr>
             <p:nvPr/>
-          </p:nvGrpSpPr>
-          <p:grpSpPr>
+          </p:nvPicPr>
+          <p:blipFill rotWithShape="1">
+            <a:blip r:embed="rId14"/>
+            <a:srcRect l="-21342" t="74454" r="21342" b="-3777"/>
+            <a:stretch/>
+          </p:blipFill>
+          <p:spPr>
             <a:xfrm>
-              <a:off x="-622957" y="667236"/>
-              <a:ext cx="3885185" cy="2346960"/>
-              <a:chOff x="2542694" y="4726031"/>
-              <a:chExt cx="3885185" cy="2346960"/>
+              <a:off x="-622957" y="2156173"/>
+              <a:ext cx="3200400" cy="688211"/>
             </a:xfrm>
-          </p:grpSpPr>
-          <p:pic>
-            <p:nvPicPr>
-              <p:cNvPr id="109" name="Picture 108">
-                <a:extLst>
-                  <a:ext uri="{FF2B5EF4-FFF2-40B4-BE49-F238E27FC236}">
-                    <a16:creationId xmlns:a16="http://schemas.microsoft.com/office/drawing/2014/main" id="{9B66EF2E-F27F-204D-AF32-325EE1E9FE9F}"/>
-                  </a:ext>
-                </a:extLst>
-              </p:cNvPr>
-              <p:cNvPicPr>
-                <a:picLocks noChangeAspect="1"/>
-              </p:cNvPicPr>
-              <p:nvPr/>
-            </p:nvPicPr>
-            <p:blipFill rotWithShape="1">
-              <a:blip r:embed="rId15"/>
-              <a:srcRect l="-21342" t="74454" r="21342" b="-3777"/>
-              <a:stretch/>
-            </p:blipFill>
-            <p:spPr>
-              <a:xfrm>
-                <a:off x="2542694" y="6214968"/>
-                <a:ext cx="3200400" cy="688211"/>
-              </a:xfrm>
-              <a:prstGeom prst="rect">
-                <a:avLst/>
-              </a:prstGeom>
-            </p:spPr>
-          </p:pic>
-          <p:pic>
-            <p:nvPicPr>
-              <p:cNvPr id="116" name="Picture 115">
-                <a:extLst>
-                  <a:ext uri="{FF2B5EF4-FFF2-40B4-BE49-F238E27FC236}">
-                    <a16:creationId xmlns:a16="http://schemas.microsoft.com/office/drawing/2014/main" id="{7DE78B98-943B-264C-BEA2-49DB319BA1F8}"/>
-                  </a:ext>
-                </a:extLst>
-              </p:cNvPr>
-              <p:cNvPicPr>
-                <a:picLocks noChangeAspect="1"/>
-              </p:cNvPicPr>
-              <p:nvPr/>
-            </p:nvPicPr>
-            <p:blipFill>
-              <a:blip r:embed="rId16"/>
-              <a:stretch>
-                <a:fillRect/>
-              </a:stretch>
-            </p:blipFill>
-            <p:spPr>
-              <a:xfrm>
-                <a:off x="3227479" y="4726031"/>
-                <a:ext cx="3200400" cy="2346960"/>
-              </a:xfrm>
-              <a:prstGeom prst="rect">
-                <a:avLst/>
-              </a:prstGeom>
-            </p:spPr>
-          </p:pic>
-        </p:grpSp>
+            <a:prstGeom prst="rect">
+              <a:avLst/>
+            </a:prstGeom>
+          </p:spPr>
+        </p:pic>
       </p:grpSp>
-      <p:grpSp>
-        <p:nvGrpSpPr>
-          <p:cNvPr id="142" name="Group 141">
+      <p:sp>
+        <p:nvSpPr>
+          <p:cNvPr id="48" name="Rounded Rectangle 47">
             <a:extLst>
               <a:ext uri="{FF2B5EF4-FFF2-40B4-BE49-F238E27FC236}">
-                <a16:creationId xmlns:a16="http://schemas.microsoft.com/office/drawing/2014/main" id="{C6CEBD1E-EB0F-564F-A75B-585855AD2538}"/>
+                <a16:creationId xmlns:a16="http://schemas.microsoft.com/office/drawing/2014/main" id="{8580D220-2FDF-5340-98BA-0E276F5E8E90}"/>
               </a:ext>
             </a:extLst>
           </p:cNvPr>
-          <p:cNvGrpSpPr/>
+          <p:cNvSpPr/>
           <p:nvPr/>
-        </p:nvGrpSpPr>
-        <p:grpSpPr>
+        </p:nvSpPr>
+        <p:spPr>
           <a:xfrm>
-            <a:off x="6206372" y="560196"/>
-            <a:ext cx="3881748" cy="2353391"/>
-            <a:chOff x="2927273" y="691001"/>
-            <a:chExt cx="3881748" cy="2353391"/>
+            <a:off x="6887724" y="560196"/>
+            <a:ext cx="3171055" cy="2148840"/>
           </a:xfrm>
-        </p:grpSpPr>
-        <p:sp>
-          <p:nvSpPr>
-            <p:cNvPr id="48" name="Rounded Rectangle 47">
-              <a:extLst>
-                <a:ext uri="{FF2B5EF4-FFF2-40B4-BE49-F238E27FC236}">
-                  <a16:creationId xmlns:a16="http://schemas.microsoft.com/office/drawing/2014/main" id="{8580D220-2FDF-5340-98BA-0E276F5E8E90}"/>
-                </a:ext>
-              </a:extLst>
-            </p:cNvPr>
-            <p:cNvSpPr/>
-            <p:nvPr/>
-          </p:nvSpPr>
-          <p:spPr>
-            <a:xfrm>
-              <a:off x="3608625" y="691001"/>
-              <a:ext cx="3171055" cy="2148840"/>
-            </a:xfrm>
-            <a:prstGeom prst="roundRect">
-              <a:avLst/>
-            </a:prstGeom>
-            <a:solidFill>
-              <a:srgbClr val="7A0403">
-                <a:alpha val="70980"/>
-              </a:srgbClr>
-            </a:solidFill>
-          </p:spPr>
-          <p:style>
-            <a:lnRef idx="2">
-              <a:schemeClr val="accent1">
-                <a:shade val="50000"/>
-              </a:schemeClr>
-            </a:lnRef>
-            <a:fillRef idx="1">
-              <a:schemeClr val="accent1"/>
-            </a:fillRef>
-            <a:effectRef idx="0">
-              <a:schemeClr val="accent1"/>
-            </a:effectRef>
-            <a:fontRef idx="minor">
-              <a:schemeClr val="lt1"/>
-            </a:fontRef>
-          </p:style>
-          <p:txBody>
-            <a:bodyPr rtlCol="0" anchor="ctr"/>
-            <a:lstStyle/>
-            <a:p>
-              <a:pPr algn="ctr"/>
-              <a:endParaRPr lang="en-US" dirty="0"/>
-            </a:p>
-          </p:txBody>
-        </p:sp>
-        <p:grpSp>
-          <p:nvGrpSpPr>
-            <p:cNvPr id="119" name="Group 118">
-              <a:extLst>
-                <a:ext uri="{FF2B5EF4-FFF2-40B4-BE49-F238E27FC236}">
-                  <a16:creationId xmlns:a16="http://schemas.microsoft.com/office/drawing/2014/main" id="{B48419E6-ECD8-394A-8B69-D111AA1F4698}"/>
-                </a:ext>
-              </a:extLst>
-            </p:cNvPr>
-            <p:cNvGrpSpPr/>
-            <p:nvPr/>
-          </p:nvGrpSpPr>
-          <p:grpSpPr>
-            <a:xfrm>
-              <a:off x="2927273" y="697432"/>
-              <a:ext cx="3881748" cy="2346960"/>
-              <a:chOff x="5748796" y="4726031"/>
-              <a:chExt cx="3881748" cy="2346960"/>
-            </a:xfrm>
-          </p:grpSpPr>
-          <p:pic>
-            <p:nvPicPr>
-              <p:cNvPr id="83" name="Picture 82">
-                <a:extLst>
-                  <a:ext uri="{FF2B5EF4-FFF2-40B4-BE49-F238E27FC236}">
-                    <a16:creationId xmlns:a16="http://schemas.microsoft.com/office/drawing/2014/main" id="{85FBF943-6DAD-A847-A6F2-0378B59BEDBC}"/>
-                  </a:ext>
-                </a:extLst>
-              </p:cNvPr>
-              <p:cNvPicPr>
-                <a:picLocks noChangeAspect="1"/>
-              </p:cNvPicPr>
-              <p:nvPr/>
-            </p:nvPicPr>
-            <p:blipFill>
-              <a:blip r:embed="rId17"/>
-              <a:stretch>
-                <a:fillRect/>
-              </a:stretch>
-            </p:blipFill>
-            <p:spPr>
-              <a:xfrm>
-                <a:off x="6430144" y="4726031"/>
-                <a:ext cx="3200400" cy="2346960"/>
-              </a:xfrm>
-              <a:prstGeom prst="rect">
-                <a:avLst/>
-              </a:prstGeom>
-            </p:spPr>
-          </p:pic>
-          <p:pic>
-            <p:nvPicPr>
-              <p:cNvPr id="108" name="Picture 107">
-                <a:extLst>
-                  <a:ext uri="{FF2B5EF4-FFF2-40B4-BE49-F238E27FC236}">
-                    <a16:creationId xmlns:a16="http://schemas.microsoft.com/office/drawing/2014/main" id="{5516C240-F3EE-A840-82E4-946F82F62825}"/>
-                  </a:ext>
-                </a:extLst>
-              </p:cNvPr>
-              <p:cNvPicPr>
-                <a:picLocks noChangeAspect="1"/>
-              </p:cNvPicPr>
-              <p:nvPr/>
-            </p:nvPicPr>
-            <p:blipFill rotWithShape="1">
-              <a:blip r:embed="rId18"/>
-              <a:srcRect l="-21342" t="74454" r="21342" b="-3777"/>
-              <a:stretch/>
-            </p:blipFill>
-            <p:spPr>
-              <a:xfrm>
-                <a:off x="5748796" y="6214968"/>
-                <a:ext cx="3200400" cy="688211"/>
-              </a:xfrm>
-              <a:prstGeom prst="rect">
-                <a:avLst/>
-              </a:prstGeom>
-            </p:spPr>
-          </p:pic>
-        </p:grpSp>
-      </p:grpSp>
+          <a:prstGeom prst="roundRect">
+            <a:avLst/>
+          </a:prstGeom>
+          <a:solidFill>
+            <a:srgbClr val="CE7020">
+              <a:alpha val="89804"/>
+            </a:srgbClr>
+          </a:solidFill>
+        </p:spPr>
+        <p:style>
+          <a:lnRef idx="2">
+            <a:schemeClr val="accent1">
+              <a:shade val="50000"/>
+            </a:schemeClr>
+          </a:lnRef>
+          <a:fillRef idx="1">
+            <a:schemeClr val="accent1"/>
+          </a:fillRef>
+          <a:effectRef idx="0">
+            <a:schemeClr val="accent1"/>
+          </a:effectRef>
+          <a:fontRef idx="minor">
+            <a:schemeClr val="lt1"/>
+          </a:fontRef>
+        </p:style>
+        <p:txBody>
+          <a:bodyPr rtlCol="0" anchor="ctr"/>
+          <a:lstStyle/>
+          <a:p>
+            <a:pPr algn="ctr"/>
+            <a:endParaRPr lang="en-US" dirty="0"/>
+          </a:p>
+        </p:txBody>
+      </p:sp>
+      <p:pic>
+        <p:nvPicPr>
+          <p:cNvPr id="108" name="Picture 107">
+            <a:extLst>
+              <a:ext uri="{FF2B5EF4-FFF2-40B4-BE49-F238E27FC236}">
+                <a16:creationId xmlns:a16="http://schemas.microsoft.com/office/drawing/2014/main" id="{5516C240-F3EE-A840-82E4-946F82F62825}"/>
+              </a:ext>
+            </a:extLst>
+          </p:cNvPr>
+          <p:cNvPicPr>
+            <a:picLocks noChangeAspect="1"/>
+          </p:cNvPicPr>
+          <p:nvPr/>
+        </p:nvPicPr>
+        <p:blipFill rotWithShape="1">
+          <a:blip r:embed="rId15"/>
+          <a:srcRect l="-21342" t="74454" r="21342" b="-3777"/>
+          <a:stretch/>
+        </p:blipFill>
+        <p:spPr>
+          <a:xfrm>
+            <a:off x="6206372" y="2055564"/>
+            <a:ext cx="3200400" cy="688211"/>
+          </a:xfrm>
+          <a:prstGeom prst="rect">
+            <a:avLst/>
+          </a:prstGeom>
+        </p:spPr>
+      </p:pic>
       <p:grpSp>
         <p:nvGrpSpPr>
           <p:cNvPr id="141" name="Group 140">
@@ -4577,8 +4409,8 @@
               <a:avLst/>
             </a:prstGeom>
             <a:solidFill>
-              <a:srgbClr val="30113B">
-                <a:alpha val="69804"/>
+              <a:srgbClr val="610505">
+                <a:alpha val="85098"/>
               </a:srgbClr>
             </a:solidFill>
             <a:ln w="76200">
@@ -4645,7 +4477,7 @@
               <p:nvPr/>
             </p:nvPicPr>
             <p:blipFill rotWithShape="1">
-              <a:blip r:embed="rId19"/>
+              <a:blip r:embed="rId16"/>
               <a:srcRect b="30327"/>
               <a:stretch/>
             </p:blipFill>
@@ -4677,7 +4509,7 @@
               <p:nvPr/>
             </p:nvPicPr>
             <p:blipFill rotWithShape="1">
-              <a:blip r:embed="rId20"/>
+              <a:blip r:embed="rId17"/>
               <a:srcRect l="-21342" t="74454" r="21342" b="-3777"/>
               <a:stretch/>
             </p:blipFill>
@@ -5602,6 +5434,95 @@
           </a:p>
         </p:txBody>
       </p:sp>
+      <p:pic>
+        <p:nvPicPr>
+          <p:cNvPr id="64" name="Picture 63">
+            <a:extLst>
+              <a:ext uri="{FF2B5EF4-FFF2-40B4-BE49-F238E27FC236}">
+                <a16:creationId xmlns:a16="http://schemas.microsoft.com/office/drawing/2014/main" id="{85C8105F-2D6A-874A-8613-E88DD48BB041}"/>
+              </a:ext>
+            </a:extLst>
+          </p:cNvPr>
+          <p:cNvPicPr>
+            <a:picLocks noChangeAspect="1"/>
+          </p:cNvPicPr>
+          <p:nvPr/>
+        </p:nvPicPr>
+        <p:blipFill rotWithShape="1">
+          <a:blip r:embed="rId18"/>
+          <a:srcRect l="-21342" t="74454" r="21342" b="-3777"/>
+          <a:stretch/>
+        </p:blipFill>
+        <p:spPr>
+          <a:xfrm>
+            <a:off x="-599410" y="7594395"/>
+            <a:ext cx="3200400" cy="688211"/>
+          </a:xfrm>
+          <a:prstGeom prst="rect">
+            <a:avLst/>
+          </a:prstGeom>
+        </p:spPr>
+      </p:pic>
+      <p:pic>
+        <p:nvPicPr>
+          <p:cNvPr id="65" name="Picture 64">
+            <a:extLst>
+              <a:ext uri="{FF2B5EF4-FFF2-40B4-BE49-F238E27FC236}">
+                <a16:creationId xmlns:a16="http://schemas.microsoft.com/office/drawing/2014/main" id="{CC65ECD7-9E70-9A40-903E-AC0164A7ECCA}"/>
+              </a:ext>
+            </a:extLst>
+          </p:cNvPr>
+          <p:cNvPicPr>
+            <a:picLocks noChangeAspect="1"/>
+          </p:cNvPicPr>
+          <p:nvPr/>
+        </p:nvPicPr>
+        <p:blipFill>
+          <a:blip r:embed="rId19"/>
+          <a:stretch>
+            <a:fillRect/>
+          </a:stretch>
+        </p:blipFill>
+        <p:spPr>
+          <a:xfrm>
+            <a:off x="54700" y="535238"/>
+            <a:ext cx="3204556" cy="2350008"/>
+          </a:xfrm>
+          <a:prstGeom prst="rect">
+            <a:avLst/>
+          </a:prstGeom>
+        </p:spPr>
+      </p:pic>
+      <p:pic>
+        <p:nvPicPr>
+          <p:cNvPr id="66" name="Picture 65">
+            <a:extLst>
+              <a:ext uri="{FF2B5EF4-FFF2-40B4-BE49-F238E27FC236}">
+                <a16:creationId xmlns:a16="http://schemas.microsoft.com/office/drawing/2014/main" id="{519FE6AF-FB8B-4143-82F5-F588CC272CD4}"/>
+              </a:ext>
+            </a:extLst>
+          </p:cNvPr>
+          <p:cNvPicPr>
+            <a:picLocks noChangeAspect="1"/>
+          </p:cNvPicPr>
+          <p:nvPr/>
+        </p:nvPicPr>
+        <p:blipFill>
+          <a:blip r:embed="rId20"/>
+          <a:stretch>
+            <a:fillRect/>
+          </a:stretch>
+        </p:blipFill>
+        <p:spPr>
+          <a:xfrm>
+            <a:off x="6887720" y="566627"/>
+            <a:ext cx="3200400" cy="2346960"/>
+          </a:xfrm>
+          <a:prstGeom prst="rect">
+            <a:avLst/>
+          </a:prstGeom>
+        </p:spPr>
+      </p:pic>
     </p:spTree>
     <p:extLst>
       <p:ext uri="{BB962C8B-B14F-4D97-AF65-F5344CB8AC3E}">
